--- a/Multi-Level-Hashing.pptx
+++ b/Multi-Level-Hashing.pptx
@@ -5,10 +5,10 @@
     <p:sldMasterId id="2147483648" r:id="rId4"/>
   </p:sldMasterIdLst>
   <p:notesMasterIdLst>
-    <p:notesMasterId r:id="rId21"/>
+    <p:notesMasterId r:id="rId22"/>
   </p:notesMasterIdLst>
   <p:handoutMasterIdLst>
-    <p:handoutMasterId r:id="rId22"/>
+    <p:handoutMasterId r:id="rId23"/>
   </p:handoutMasterIdLst>
   <p:sldIdLst>
     <p:sldId id="256" r:id="rId5"/>
@@ -23,10 +23,11 @@
     <p:sldId id="293" r:id="rId14"/>
     <p:sldId id="257" r:id="rId15"/>
     <p:sldId id="266" r:id="rId16"/>
-    <p:sldId id="288" r:id="rId17"/>
-    <p:sldId id="283" r:id="rId18"/>
-    <p:sldId id="294" r:id="rId19"/>
-    <p:sldId id="271" r:id="rId20"/>
+    <p:sldId id="296" r:id="rId17"/>
+    <p:sldId id="295" r:id="rId18"/>
+    <p:sldId id="283" r:id="rId19"/>
+    <p:sldId id="294" r:id="rId20"/>
+    <p:sldId id="271" r:id="rId21"/>
   </p:sldIdLst>
   <p:sldSz cx="12192000" cy="6858000"/>
   <p:notesSz cx="6858000" cy="9144000"/>
@@ -230,7 +231,7 @@
           <a:p>
             <a:fld id="{B56F32FC-4BD9-442A-A8C6-51598C909FE3}" type="datetimeFigureOut">
               <a:rPr lang="en-US" smtClean="0"/>
-              <a:t>5/16/2024</a:t>
+              <a:t>5/17/2024</a:t>
             </a:fld>
             <a:endParaRPr lang="en-US" dirty="0"/>
           </a:p>
@@ -407,7 +408,7 @@
           <a:p>
             <a:fld id="{056371FA-A98D-41E8-93F4-09945841298A}" type="datetimeFigureOut">
               <a:rPr lang="en-US" smtClean="0"/>
-              <a:t>5/16/2024</a:t>
+              <a:t>5/17/2024</a:t>
             </a:fld>
             <a:endParaRPr lang="en-US" dirty="0"/>
           </a:p>
@@ -916,7 +917,7 @@
     </p:spTree>
     <p:extLst>
       <p:ext uri="{BB962C8B-B14F-4D97-AF65-F5344CB8AC3E}">
-        <p14:creationId xmlns:p14="http://schemas.microsoft.com/office/powerpoint/2010/main" val="3358415154"/>
+        <p14:creationId xmlns:p14="http://schemas.microsoft.com/office/powerpoint/2010/main" val="1072547538"/>
       </p:ext>
     </p:extLst>
   </p:cSld>
@@ -1000,7 +1001,7 @@
     </p:spTree>
     <p:extLst>
       <p:ext uri="{BB962C8B-B14F-4D97-AF65-F5344CB8AC3E}">
-        <p14:creationId xmlns:p14="http://schemas.microsoft.com/office/powerpoint/2010/main" val="840986708"/>
+        <p14:creationId xmlns:p14="http://schemas.microsoft.com/office/powerpoint/2010/main" val="1062899639"/>
       </p:ext>
     </p:extLst>
   </p:cSld>
@@ -1084,7 +1085,7 @@
     </p:spTree>
     <p:extLst>
       <p:ext uri="{BB962C8B-B14F-4D97-AF65-F5344CB8AC3E}">
-        <p14:creationId xmlns:p14="http://schemas.microsoft.com/office/powerpoint/2010/main" val="3223517626"/>
+        <p14:creationId xmlns:p14="http://schemas.microsoft.com/office/powerpoint/2010/main" val="840986708"/>
       </p:ext>
     </p:extLst>
   </p:cSld>
@@ -1160,6 +1161,90 @@
             <a:fld id="{22289C57-55D7-40A4-A101-E74FAC7A092B}" type="slidenum">
               <a:rPr lang="en-US" smtClean="0"/>
               <a:t>16</a:t>
+            </a:fld>
+            <a:endParaRPr lang="en-US" dirty="0"/>
+          </a:p>
+        </p:txBody>
+      </p:sp>
+    </p:spTree>
+    <p:extLst>
+      <p:ext uri="{BB962C8B-B14F-4D97-AF65-F5344CB8AC3E}">
+        <p14:creationId xmlns:p14="http://schemas.microsoft.com/office/powerpoint/2010/main" val="3223517626"/>
+      </p:ext>
+    </p:extLst>
+  </p:cSld>
+  <p:clrMapOvr>
+    <a:masterClrMapping/>
+  </p:clrMapOvr>
+</p:notes>
+</file>
+
+<file path=ppt/notesSlides/notesSlide15.xml><?xml version="1.0" encoding="utf-8"?>
+<p:notes xmlns:a="http://schemas.openxmlformats.org/drawingml/2006/main" xmlns:r="http://schemas.openxmlformats.org/officeDocument/2006/relationships" xmlns:p="http://schemas.openxmlformats.org/presentationml/2006/main">
+  <p:cSld>
+    <p:spTree>
+      <p:nvGrpSpPr>
+        <p:cNvPr id="1" name=""/>
+        <p:cNvGrpSpPr/>
+        <p:nvPr/>
+      </p:nvGrpSpPr>
+      <p:grpSpPr>
+        <a:xfrm>
+          <a:off x="0" y="0"/>
+          <a:ext cx="0" cy="0"/>
+          <a:chOff x="0" y="0"/>
+          <a:chExt cx="0" cy="0"/>
+        </a:xfrm>
+      </p:grpSpPr>
+      <p:sp>
+        <p:nvSpPr>
+          <p:cNvPr id="2" name="Slide Image Placeholder 1"/>
+          <p:cNvSpPr>
+            <a:spLocks noGrp="1" noRot="1" noChangeAspect="1"/>
+          </p:cNvSpPr>
+          <p:nvPr>
+            <p:ph type="sldImg"/>
+          </p:nvPr>
+        </p:nvSpPr>
+        <p:spPr/>
+      </p:sp>
+      <p:sp>
+        <p:nvSpPr>
+          <p:cNvPr id="3" name="Notes Placeholder 2"/>
+          <p:cNvSpPr>
+            <a:spLocks noGrp="1"/>
+          </p:cNvSpPr>
+          <p:nvPr>
+            <p:ph type="body" idx="1"/>
+          </p:nvPr>
+        </p:nvSpPr>
+        <p:spPr/>
+        <p:txBody>
+          <a:bodyPr/>
+          <a:lstStyle/>
+          <a:p>
+            <a:endParaRPr lang="en-US" dirty="0"/>
+          </a:p>
+        </p:txBody>
+      </p:sp>
+      <p:sp>
+        <p:nvSpPr>
+          <p:cNvPr id="4" name="Slide Number Placeholder 3"/>
+          <p:cNvSpPr>
+            <a:spLocks noGrp="1"/>
+          </p:cNvSpPr>
+          <p:nvPr>
+            <p:ph type="sldNum" sz="quarter" idx="5"/>
+          </p:nvPr>
+        </p:nvSpPr>
+        <p:spPr/>
+        <p:txBody>
+          <a:bodyPr/>
+          <a:lstStyle/>
+          <a:p>
+            <a:fld id="{22289C57-55D7-40A4-A101-E74FAC7A092B}" type="slidenum">
+              <a:rPr lang="en-US" smtClean="0"/>
+              <a:t>17</a:t>
             </a:fld>
             <a:endParaRPr lang="en-US" dirty="0"/>
           </a:p>
@@ -7600,14 +7685,14 @@
             <p:ph idx="1"/>
             <p:extLst>
               <p:ext uri="{D42A27DB-BD31-4B8C-83A1-F6EECF244321}">
-                <p14:modId xmlns:p14="http://schemas.microsoft.com/office/powerpoint/2010/main" val="3773269881"/>
+                <p14:modId xmlns:p14="http://schemas.microsoft.com/office/powerpoint/2010/main" val="335507911"/>
               </p:ext>
             </p:extLst>
           </p:nvPr>
         </p:nvGraphicFramePr>
         <p:xfrm>
           <a:off x="838200" y="1825625"/>
-          <a:ext cx="10515600" cy="3749040"/>
+          <a:ext cx="10515600" cy="3200400"/>
         </p:xfrm>
         <a:graphic>
           <a:graphicData uri="http://schemas.openxmlformats.org/drawingml/2006/table">
@@ -7616,14 +7701,14 @@
                 <a:tableStyleId>{5C22544A-7EE6-4342-B048-85BDC9FD1C3A}</a:tableStyleId>
               </a:tblPr>
               <a:tblGrid>
-                <a:gridCol w="5257800">
+                <a:gridCol w="3822290">
                   <a:extLst>
                     <a:ext uri="{9D8B030D-6E8A-4147-A177-3AD203B41FA5}">
                       <a16:colId xmlns:a16="http://schemas.microsoft.com/office/drawing/2014/main" val="1917622098"/>
                     </a:ext>
                   </a:extLst>
                 </a:gridCol>
-                <a:gridCol w="5257800">
+                <a:gridCol w="6693310">
                   <a:extLst>
                     <a:ext uri="{9D8B030D-6E8A-4147-A177-3AD203B41FA5}">
                       <a16:colId xmlns:a16="http://schemas.microsoft.com/office/drawing/2014/main" val="296061433"/>
@@ -8297,6 +8382,394 @@
       </p:grpSpPr>
       <p:sp>
         <p:nvSpPr>
+          <p:cNvPr id="68" name="Slide Number Placeholder 67">
+            <a:extLst>
+              <a:ext uri="{FF2B5EF4-FFF2-40B4-BE49-F238E27FC236}">
+                <a16:creationId xmlns:a16="http://schemas.microsoft.com/office/drawing/2014/main" id="{AA0ACADD-CC4E-851C-DA07-C22DB97FA23E}"/>
+              </a:ext>
+            </a:extLst>
+          </p:cNvPr>
+          <p:cNvSpPr>
+            <a:spLocks noGrp="1"/>
+          </p:cNvSpPr>
+          <p:nvPr>
+            <p:ph type="sldNum" sz="quarter" idx="13"/>
+          </p:nvPr>
+        </p:nvSpPr>
+        <p:spPr>
+          <a:xfrm>
+            <a:off x="10373350" y="6356349"/>
+            <a:ext cx="987552" cy="365125"/>
+          </a:xfrm>
+        </p:spPr>
+        <p:txBody>
+          <a:bodyPr/>
+          <a:lstStyle/>
+          <a:p>
+            <a:fld id="{A49DFD55-3C28-40EF-9E31-A92D2E4017FF}" type="slidenum">
+              <a:rPr lang="en-US" smtClean="0"/>
+              <a:pPr/>
+              <a:t>13</a:t>
+            </a:fld>
+            <a:endParaRPr lang="en-US" dirty="0"/>
+          </a:p>
+        </p:txBody>
+      </p:sp>
+      <p:sp>
+        <p:nvSpPr>
+          <p:cNvPr id="5" name="Title 1">
+            <a:extLst>
+              <a:ext uri="{FF2B5EF4-FFF2-40B4-BE49-F238E27FC236}">
+                <a16:creationId xmlns:a16="http://schemas.microsoft.com/office/drawing/2014/main" id="{80AA7587-CBA0-8086-EEC9-9CCD3D972608}"/>
+              </a:ext>
+            </a:extLst>
+          </p:cNvPr>
+          <p:cNvSpPr txBox="1">
+            <a:spLocks/>
+          </p:cNvSpPr>
+          <p:nvPr/>
+        </p:nvSpPr>
+        <p:spPr>
+          <a:xfrm>
+            <a:off x="789081" y="263840"/>
+            <a:ext cx="5434737" cy="1056878"/>
+          </a:xfrm>
+          <a:prstGeom prst="rect">
+            <a:avLst/>
+          </a:prstGeom>
+        </p:spPr>
+        <p:txBody>
+          <a:bodyPr vert="horz" lIns="91440" tIns="45720" rIns="91440" bIns="45720" rtlCol="0" anchor="b">
+            <a:normAutofit/>
+          </a:bodyPr>
+          <a:lstStyle>
+            <a:lvl1pPr algn="l" defTabSz="914400" rtl="0" eaLnBrk="1" latinLnBrk="0" hangingPunct="1">
+              <a:lnSpc>
+                <a:spcPct val="90000"/>
+              </a:lnSpc>
+              <a:spcBef>
+                <a:spcPct val="0"/>
+              </a:spcBef>
+              <a:buNone/>
+              <a:defRPr lang="en-US" sz="2800" kern="1200" cap="all" spc="150" baseline="0" dirty="0">
+                <a:solidFill>
+                  <a:schemeClr val="tx1"/>
+                </a:solidFill>
+                <a:latin typeface="+mj-lt"/>
+                <a:ea typeface="+mj-ea"/>
+                <a:cs typeface="+mj-cs"/>
+              </a:defRPr>
+            </a:lvl1pPr>
+          </a:lstStyle>
+          <a:p>
+            <a:r>
+              <a:rPr lang="en-US" sz="3800" dirty="0"/>
+              <a:t>Successful attack</a:t>
+            </a:r>
+          </a:p>
+        </p:txBody>
+      </p:sp>
+      <p:graphicFrame>
+        <p:nvGraphicFramePr>
+          <p:cNvPr id="10" name="Table Placeholder 2">
+            <a:extLst>
+              <a:ext uri="{FF2B5EF4-FFF2-40B4-BE49-F238E27FC236}">
+                <a16:creationId xmlns:a16="http://schemas.microsoft.com/office/drawing/2014/main" id="{15737672-4C83-5989-FED1-61C555DFC1D6}"/>
+              </a:ext>
+            </a:extLst>
+          </p:cNvPr>
+          <p:cNvGraphicFramePr>
+            <a:graphicFrameLocks/>
+          </p:cNvGraphicFramePr>
+          <p:nvPr>
+            <p:extLst>
+              <p:ext uri="{D42A27DB-BD31-4B8C-83A1-F6EECF244321}">
+                <p14:modId xmlns:p14="http://schemas.microsoft.com/office/powerpoint/2010/main" val="2332388327"/>
+              </p:ext>
+            </p:extLst>
+          </p:nvPr>
+        </p:nvGraphicFramePr>
+        <p:xfrm>
+          <a:off x="810089" y="2471874"/>
+          <a:ext cx="10571822" cy="3014526"/>
+        </p:xfrm>
+        <a:graphic>
+          <a:graphicData uri="http://schemas.openxmlformats.org/drawingml/2006/table">
+            <a:tbl>
+              <a:tblPr firstRow="1" bandRow="1">
+                <a:tableStyleId>{7E9639D4-E3E2-4D34-9284-5A2195B3D0D7}</a:tableStyleId>
+              </a:tblPr>
+              <a:tblGrid>
+                <a:gridCol w="5285911">
+                  <a:extLst>
+                    <a:ext uri="{9D8B030D-6E8A-4147-A177-3AD203B41FA5}">
+                      <a16:colId xmlns:a16="http://schemas.microsoft.com/office/drawing/2014/main" val="127040821"/>
+                    </a:ext>
+                  </a:extLst>
+                </a:gridCol>
+                <a:gridCol w="5285911">
+                  <a:extLst>
+                    <a:ext uri="{9D8B030D-6E8A-4147-A177-3AD203B41FA5}">
+                      <a16:colId xmlns:a16="http://schemas.microsoft.com/office/drawing/2014/main" val="149845700"/>
+                    </a:ext>
+                  </a:extLst>
+                </a:gridCol>
+              </a:tblGrid>
+              <a:tr h="810285">
+                <a:tc>
+                  <a:txBody>
+                    <a:bodyPr/>
+                    <a:lstStyle/>
+                    <a:p>
+                      <a:pPr algn="ctr"/>
+                      <a:r>
+                        <a:rPr lang="en-US" sz="2600" b="1" dirty="0"/>
+                        <a:t>File content</a:t>
+                      </a:r>
+                    </a:p>
+                  </a:txBody>
+                  <a:tcPr anchor="ctr"/>
+                </a:tc>
+                <a:tc>
+                  <a:txBody>
+                    <a:bodyPr/>
+                    <a:lstStyle/>
+                    <a:p>
+                      <a:pPr algn="ctr"/>
+                      <a:r>
+                        <a:rPr lang="en-US" sz="2600" b="1" dirty="0"/>
+                        <a:t>Hash</a:t>
+                      </a:r>
+                    </a:p>
+                  </a:txBody>
+                  <a:tcPr anchor="ctr"/>
+                </a:tc>
+                <a:extLst>
+                  <a:ext uri="{0D108BD9-81ED-4DB2-BD59-A6C34878D82A}">
+                    <a16:rowId xmlns:a16="http://schemas.microsoft.com/office/drawing/2014/main" val="3298013591"/>
+                  </a:ext>
+                </a:extLst>
+              </a:tr>
+              <a:tr h="1083364">
+                <a:tc>
+                  <a:txBody>
+                    <a:bodyPr/>
+                    <a:lstStyle/>
+                    <a:p>
+                      <a:pPr algn="ctr"/>
+                      <a:r>
+                        <a:rPr lang="en-US" sz="2200" dirty="0"/>
+                        <a:t>My n</a:t>
+                      </a:r>
+                      <a:r>
+                        <a:rPr lang="en-US" sz="2200" dirty="0">
+                          <a:highlight>
+                            <a:srgbClr val="00FF00"/>
+                          </a:highlight>
+                        </a:rPr>
+                        <a:t>a</a:t>
+                      </a:r>
+                      <a:r>
+                        <a:rPr lang="en-US" sz="2200" dirty="0"/>
+                        <a:t>me is Sunaam </a:t>
+                      </a:r>
+                      <a:r>
+                        <a:rPr lang="en-US" sz="2200" dirty="0" err="1"/>
+                        <a:t>Sunaam</a:t>
+                      </a:r>
+                      <a:r>
+                        <a:rPr lang="en-US" sz="2200" dirty="0"/>
+                        <a:t> </a:t>
+                      </a:r>
+                      <a:r>
+                        <a:rPr lang="en-US" sz="2200" dirty="0" err="1"/>
+                        <a:t>Sunaam</a:t>
+                      </a:r>
+                      <a:r>
+                        <a:rPr lang="en-US" sz="2200" dirty="0"/>
+                        <a:t> </a:t>
+                      </a:r>
+                      <a:r>
+                        <a:rPr lang="en-US" sz="2200" dirty="0" err="1"/>
+                        <a:t>Sunaam</a:t>
+                      </a:r>
+                      <a:r>
+                        <a:rPr lang="en-US" sz="2200" dirty="0"/>
+                        <a:t>. Helo </a:t>
+                      </a:r>
+                      <a:r>
+                        <a:rPr lang="en-US" sz="2200" dirty="0" err="1"/>
+                        <a:t>Helo</a:t>
+                      </a:r>
+                      <a:r>
+                        <a:rPr lang="en-US" sz="2200" dirty="0"/>
+                        <a:t> </a:t>
+                      </a:r>
+                      <a:r>
+                        <a:rPr lang="en-US" sz="2200" dirty="0" err="1"/>
+                        <a:t>Helo</a:t>
+                      </a:r>
+                      <a:endParaRPr lang="en-US" sz="2200" dirty="0"/>
+                    </a:p>
+                  </a:txBody>
+                  <a:tcPr anchor="ctr"/>
+                </a:tc>
+                <a:tc>
+                  <a:txBody>
+                    <a:bodyPr/>
+                    <a:lstStyle/>
+                    <a:p>
+                      <a:pPr algn="ctr"/>
+                      <a:r>
+                        <a:rPr lang="en-US" sz="2200" dirty="0"/>
+                        <a:t>0000000600040004000505040004000730353536303430373035353630303135</a:t>
+                      </a:r>
+                    </a:p>
+                  </a:txBody>
+                  <a:tcPr anchor="ctr"/>
+                </a:tc>
+                <a:extLst>
+                  <a:ext uri="{0D108BD9-81ED-4DB2-BD59-A6C34878D82A}">
+                    <a16:rowId xmlns:a16="http://schemas.microsoft.com/office/drawing/2014/main" val="3873867931"/>
+                  </a:ext>
+                </a:extLst>
+              </a:tr>
+              <a:tr h="1120877">
+                <a:tc>
+                  <a:txBody>
+                    <a:bodyPr/>
+                    <a:lstStyle/>
+                    <a:p>
+                      <a:pPr algn="ctr"/>
+                      <a:r>
+                        <a:rPr lang="en-GB" sz="2200" dirty="0"/>
+                        <a:t>My </a:t>
+                      </a:r>
+                      <a:r>
+                        <a:rPr lang="en-GB" sz="2200" dirty="0" err="1"/>
+                        <a:t>n</a:t>
+                      </a:r>
+                      <a:r>
+                        <a:rPr lang="en-GB" sz="2200" dirty="0" err="1">
+                          <a:highlight>
+                            <a:srgbClr val="FFFF00"/>
+                          </a:highlight>
+                        </a:rPr>
+                        <a:t>e</a:t>
+                      </a:r>
+                      <a:r>
+                        <a:rPr lang="en-GB" sz="2200" dirty="0" err="1"/>
+                        <a:t>me</a:t>
+                      </a:r>
+                      <a:r>
+                        <a:rPr lang="en-GB" sz="2200" dirty="0"/>
+                        <a:t> is </a:t>
+                      </a:r>
+                      <a:r>
+                        <a:rPr lang="en-GB" sz="2200" dirty="0" err="1"/>
+                        <a:t>Sunaam</a:t>
+                      </a:r>
+                      <a:r>
+                        <a:rPr lang="en-GB" sz="2200" dirty="0"/>
+                        <a:t> </a:t>
+                      </a:r>
+                      <a:r>
+                        <a:rPr lang="en-GB" sz="2200" dirty="0" err="1"/>
+                        <a:t>Sunaam</a:t>
+                      </a:r>
+                      <a:r>
+                        <a:rPr lang="en-GB" sz="2200" dirty="0"/>
+                        <a:t> </a:t>
+                      </a:r>
+                      <a:r>
+                        <a:rPr lang="en-GB" sz="2200" dirty="0" err="1"/>
+                        <a:t>Sunaam</a:t>
+                      </a:r>
+                      <a:r>
+                        <a:rPr lang="en-GB" sz="2200" dirty="0"/>
+                        <a:t> </a:t>
+                      </a:r>
+                      <a:r>
+                        <a:rPr lang="en-GB" sz="2200" dirty="0" err="1"/>
+                        <a:t>Sunaam</a:t>
+                      </a:r>
+                      <a:r>
+                        <a:rPr lang="en-GB" sz="2200" dirty="0"/>
+                        <a:t>. Helo </a:t>
+                      </a:r>
+                      <a:r>
+                        <a:rPr lang="en-GB" sz="2200" dirty="0" err="1"/>
+                        <a:t>Helo</a:t>
+                      </a:r>
+                      <a:r>
+                        <a:rPr lang="en-GB" sz="2200" dirty="0"/>
+                        <a:t> </a:t>
+                      </a:r>
+                      <a:r>
+                        <a:rPr lang="en-GB" sz="2200" dirty="0" err="1"/>
+                        <a:t>Helo</a:t>
+                      </a:r>
+                      <a:endParaRPr lang="en-US" sz="2200" dirty="0"/>
+                    </a:p>
+                  </a:txBody>
+                  <a:tcPr anchor="ctr"/>
+                </a:tc>
+                <a:tc>
+                  <a:txBody>
+                    <a:bodyPr/>
+                    <a:lstStyle/>
+                    <a:p>
+                      <a:pPr algn="ctr"/>
+                      <a:r>
+                        <a:rPr lang="en-US" sz="2200" dirty="0"/>
+                        <a:t>0000000600040004000505040004000730353536303430373035353630303135</a:t>
+                      </a:r>
+                    </a:p>
+                  </a:txBody>
+                  <a:tcPr anchor="ctr"/>
+                </a:tc>
+                <a:extLst>
+                  <a:ext uri="{0D108BD9-81ED-4DB2-BD59-A6C34878D82A}">
+                    <a16:rowId xmlns:a16="http://schemas.microsoft.com/office/drawing/2014/main" val="85209771"/>
+                  </a:ext>
+                </a:extLst>
+              </a:tr>
+            </a:tbl>
+          </a:graphicData>
+        </a:graphic>
+      </p:graphicFrame>
+    </p:spTree>
+    <p:extLst>
+      <p:ext uri="{BB962C8B-B14F-4D97-AF65-F5344CB8AC3E}">
+        <p14:creationId xmlns:p14="http://schemas.microsoft.com/office/powerpoint/2010/main" val="1578686977"/>
+      </p:ext>
+    </p:extLst>
+  </p:cSld>
+  <p:clrMapOvr>
+    <a:masterClrMapping/>
+  </p:clrMapOvr>
+</p:sld>
+</file>
+
+<file path=ppt/slides/slide14.xml><?xml version="1.0" encoding="utf-8"?>
+<p:sld xmlns:a="http://schemas.openxmlformats.org/drawingml/2006/main" xmlns:r="http://schemas.openxmlformats.org/officeDocument/2006/relationships" xmlns:p="http://schemas.openxmlformats.org/presentationml/2006/main">
+  <p:cSld>
+    <p:spTree>
+      <p:nvGrpSpPr>
+        <p:cNvPr id="1" name=""/>
+        <p:cNvGrpSpPr/>
+        <p:nvPr/>
+      </p:nvGrpSpPr>
+      <p:grpSpPr>
+        <a:xfrm>
+          <a:off x="0" y="0"/>
+          <a:ext cx="0" cy="0"/>
+          <a:chOff x="0" y="0"/>
+          <a:chExt cx="0" cy="0"/>
+        </a:xfrm>
+      </p:grpSpPr>
+      <p:sp>
+        <p:nvSpPr>
           <p:cNvPr id="2" name="Title 1">
             <a:extLst>
               <a:ext uri="{FF2B5EF4-FFF2-40B4-BE49-F238E27FC236}">
@@ -8359,7 +8832,7 @@
             <a:fld id="{A49DFD55-3C28-40EF-9E31-A92D2E4017FF}" type="slidenum">
               <a:rPr lang="en-US" smtClean="0"/>
               <a:pPr/>
-              <a:t>13</a:t>
+              <a:t>14</a:t>
             </a:fld>
             <a:endParaRPr lang="en-US" dirty="0"/>
           </a:p>
@@ -8605,7 +9078,7 @@
     </p:spTree>
     <p:extLst>
       <p:ext uri="{BB962C8B-B14F-4D97-AF65-F5344CB8AC3E}">
-        <p14:creationId xmlns:p14="http://schemas.microsoft.com/office/powerpoint/2010/main" val="2583446497"/>
+        <p14:creationId xmlns:p14="http://schemas.microsoft.com/office/powerpoint/2010/main" val="1921295212"/>
       </p:ext>
     </p:extLst>
   </p:cSld>
@@ -8615,7 +9088,7 @@
 </p:sld>
 </file>
 
-<file path=ppt/slides/slide14.xml><?xml version="1.0" encoding="utf-8"?>
+<file path=ppt/slides/slide15.xml><?xml version="1.0" encoding="utf-8"?>
 <p:sld xmlns:a="http://schemas.openxmlformats.org/drawingml/2006/main" xmlns:r="http://schemas.openxmlformats.org/officeDocument/2006/relationships" xmlns:p="http://schemas.openxmlformats.org/presentationml/2006/main">
   <p:cSld>
     <p:spTree>
@@ -8852,7 +9325,7 @@
             <a:fld id="{A49DFD55-3C28-40EF-9E31-A92D2E4017FF}" type="slidenum">
               <a:rPr lang="en-US" smtClean="0"/>
               <a:pPr/>
-              <a:t>14</a:t>
+              <a:t>15</a:t>
             </a:fld>
             <a:endParaRPr lang="en-US" dirty="0"/>
           </a:p>
@@ -8897,161 +9370,6 @@
     <p:extLst>
       <p:ext uri="{BB962C8B-B14F-4D97-AF65-F5344CB8AC3E}">
         <p14:creationId xmlns:p14="http://schemas.microsoft.com/office/powerpoint/2010/main" val="1658164610"/>
-      </p:ext>
-    </p:extLst>
-  </p:cSld>
-  <p:clrMapOvr>
-    <a:masterClrMapping/>
-  </p:clrMapOvr>
-</p:sld>
-</file>
-
-<file path=ppt/slides/slide15.xml><?xml version="1.0" encoding="utf-8"?>
-<p:sld xmlns:a="http://schemas.openxmlformats.org/drawingml/2006/main" xmlns:r="http://schemas.openxmlformats.org/officeDocument/2006/relationships" xmlns:p="http://schemas.openxmlformats.org/presentationml/2006/main">
-  <p:cSld>
-    <p:spTree>
-      <p:nvGrpSpPr>
-        <p:cNvPr id="1" name=""/>
-        <p:cNvGrpSpPr/>
-        <p:nvPr/>
-      </p:nvGrpSpPr>
-      <p:grpSpPr>
-        <a:xfrm>
-          <a:off x="0" y="0"/>
-          <a:ext cx="0" cy="0"/>
-          <a:chOff x="0" y="0"/>
-          <a:chExt cx="0" cy="0"/>
-        </a:xfrm>
-      </p:grpSpPr>
-      <p:sp>
-        <p:nvSpPr>
-          <p:cNvPr id="5" name="Slide Number Placeholder 4">
-            <a:extLst>
-              <a:ext uri="{FF2B5EF4-FFF2-40B4-BE49-F238E27FC236}">
-                <a16:creationId xmlns:a16="http://schemas.microsoft.com/office/drawing/2014/main" id="{E74B0ADB-527F-A58C-9372-D8502ED6F918}"/>
-              </a:ext>
-            </a:extLst>
-          </p:cNvPr>
-          <p:cNvSpPr>
-            <a:spLocks noGrp="1"/>
-          </p:cNvSpPr>
-          <p:nvPr>
-            <p:ph type="sldNum" sz="quarter" idx="12"/>
-          </p:nvPr>
-        </p:nvSpPr>
-        <p:spPr>
-          <a:xfrm>
-            <a:off x="10373350" y="6356349"/>
-            <a:ext cx="987552" cy="365125"/>
-          </a:xfrm>
-        </p:spPr>
-        <p:txBody>
-          <a:bodyPr/>
-          <a:lstStyle/>
-          <a:p>
-            <a:fld id="{A49DFD55-3C28-40EF-9E31-A92D2E4017FF}" type="slidenum">
-              <a:rPr lang="en-US" smtClean="0"/>
-              <a:pPr/>
-              <a:t>15</a:t>
-            </a:fld>
-            <a:endParaRPr lang="en-US" dirty="0"/>
-          </a:p>
-        </p:txBody>
-      </p:sp>
-      <p:sp>
-        <p:nvSpPr>
-          <p:cNvPr id="12" name="Title 1">
-            <a:extLst>
-              <a:ext uri="{FF2B5EF4-FFF2-40B4-BE49-F238E27FC236}">
-                <a16:creationId xmlns:a16="http://schemas.microsoft.com/office/drawing/2014/main" id="{8577ABBF-BA07-25E7-6A4A-351513B7B8A1}"/>
-              </a:ext>
-            </a:extLst>
-          </p:cNvPr>
-          <p:cNvSpPr>
-            <a:spLocks noGrp="1"/>
-          </p:cNvSpPr>
-          <p:nvPr>
-            <p:ph type="title"/>
-          </p:nvPr>
-        </p:nvSpPr>
-        <p:spPr>
-          <a:xfrm>
-            <a:off x="2005386" y="732550"/>
-            <a:ext cx="8721923" cy="1056878"/>
-          </a:xfrm>
-        </p:spPr>
-        <p:txBody>
-          <a:bodyPr>
-            <a:normAutofit/>
-          </a:bodyPr>
-          <a:lstStyle/>
-          <a:p>
-            <a:r>
-              <a:rPr lang="en-US" sz="3600" dirty="0"/>
-              <a:t>References:</a:t>
-            </a:r>
-          </a:p>
-        </p:txBody>
-      </p:sp>
-      <p:sp>
-        <p:nvSpPr>
-          <p:cNvPr id="3" name="Table Placeholder 2">
-            <a:extLst>
-              <a:ext uri="{FF2B5EF4-FFF2-40B4-BE49-F238E27FC236}">
-                <a16:creationId xmlns:a16="http://schemas.microsoft.com/office/drawing/2014/main" id="{B9F72789-6B30-A18B-C72D-874C4E0A0A63}"/>
-              </a:ext>
-            </a:extLst>
-          </p:cNvPr>
-          <p:cNvSpPr>
-            <a:spLocks noGrp="1"/>
-          </p:cNvSpPr>
-          <p:nvPr>
-            <p:ph type="tbl" sz="quarter" idx="14"/>
-          </p:nvPr>
-        </p:nvSpPr>
-        <p:spPr>
-          <a:xfrm>
-            <a:off x="1142728" y="2673043"/>
-            <a:ext cx="10218174" cy="2271252"/>
-          </a:xfrm>
-        </p:spPr>
-        <p:txBody>
-          <a:bodyPr>
-            <a:normAutofit/>
-          </a:bodyPr>
-          <a:lstStyle/>
-          <a:p>
-            <a:pPr marL="342900" indent="-342900" algn="l">
-              <a:buFont typeface="Arial" panose="020B0604020202020204" pitchFamily="34" charset="0"/>
-              <a:buChar char="•"/>
-            </a:pPr>
-            <a:r>
-              <a:rPr lang="en-US" sz="2800" dirty="0">
-                <a:hlinkClick r:id="rId3"/>
-              </a:rPr>
-              <a:t>https://www.baeldung.com/cs/merkle-trees#:~:text=A%20Merkle%20Tree%20is%20a,small%20portion%20of%20the%20data</a:t>
-            </a:r>
-            <a:r>
-              <a:rPr lang="en-US" sz="2800" dirty="0"/>
-              <a:t>.</a:t>
-            </a:r>
-          </a:p>
-          <a:p>
-            <a:pPr marL="342900" indent="-342900" algn="l">
-              <a:buFont typeface="Arial" panose="020B0604020202020204" pitchFamily="34" charset="0"/>
-              <a:buChar char="•"/>
-            </a:pPr>
-            <a:r>
-              <a:rPr lang="en-US" sz="2800" dirty="0"/>
-              <a:t>https://en.wikipedia.org/wiki/Huffman_coding</a:t>
-            </a:r>
-          </a:p>
-        </p:txBody>
-      </p:sp>
-    </p:spTree>
-    <p:extLst>
-      <p:ext uri="{BB962C8B-B14F-4D97-AF65-F5344CB8AC3E}">
-        <p14:creationId xmlns:p14="http://schemas.microsoft.com/office/powerpoint/2010/main" val="3997224378"/>
       </p:ext>
     </p:extLst>
   </p:cSld>
@@ -9080,6 +9398,161 @@
       </p:grpSpPr>
       <p:sp>
         <p:nvSpPr>
+          <p:cNvPr id="5" name="Slide Number Placeholder 4">
+            <a:extLst>
+              <a:ext uri="{FF2B5EF4-FFF2-40B4-BE49-F238E27FC236}">
+                <a16:creationId xmlns:a16="http://schemas.microsoft.com/office/drawing/2014/main" id="{E74B0ADB-527F-A58C-9372-D8502ED6F918}"/>
+              </a:ext>
+            </a:extLst>
+          </p:cNvPr>
+          <p:cNvSpPr>
+            <a:spLocks noGrp="1"/>
+          </p:cNvSpPr>
+          <p:nvPr>
+            <p:ph type="sldNum" sz="quarter" idx="12"/>
+          </p:nvPr>
+        </p:nvSpPr>
+        <p:spPr>
+          <a:xfrm>
+            <a:off x="10373350" y="6356349"/>
+            <a:ext cx="987552" cy="365125"/>
+          </a:xfrm>
+        </p:spPr>
+        <p:txBody>
+          <a:bodyPr/>
+          <a:lstStyle/>
+          <a:p>
+            <a:fld id="{A49DFD55-3C28-40EF-9E31-A92D2E4017FF}" type="slidenum">
+              <a:rPr lang="en-US" smtClean="0"/>
+              <a:pPr/>
+              <a:t>16</a:t>
+            </a:fld>
+            <a:endParaRPr lang="en-US" dirty="0"/>
+          </a:p>
+        </p:txBody>
+      </p:sp>
+      <p:sp>
+        <p:nvSpPr>
+          <p:cNvPr id="12" name="Title 1">
+            <a:extLst>
+              <a:ext uri="{FF2B5EF4-FFF2-40B4-BE49-F238E27FC236}">
+                <a16:creationId xmlns:a16="http://schemas.microsoft.com/office/drawing/2014/main" id="{8577ABBF-BA07-25E7-6A4A-351513B7B8A1}"/>
+              </a:ext>
+            </a:extLst>
+          </p:cNvPr>
+          <p:cNvSpPr>
+            <a:spLocks noGrp="1"/>
+          </p:cNvSpPr>
+          <p:nvPr>
+            <p:ph type="title"/>
+          </p:nvPr>
+        </p:nvSpPr>
+        <p:spPr>
+          <a:xfrm>
+            <a:off x="2005386" y="732550"/>
+            <a:ext cx="8721923" cy="1056878"/>
+          </a:xfrm>
+        </p:spPr>
+        <p:txBody>
+          <a:bodyPr>
+            <a:normAutofit/>
+          </a:bodyPr>
+          <a:lstStyle/>
+          <a:p>
+            <a:r>
+              <a:rPr lang="en-US" sz="3600" dirty="0"/>
+              <a:t>References:</a:t>
+            </a:r>
+          </a:p>
+        </p:txBody>
+      </p:sp>
+      <p:sp>
+        <p:nvSpPr>
+          <p:cNvPr id="3" name="Table Placeholder 2">
+            <a:extLst>
+              <a:ext uri="{FF2B5EF4-FFF2-40B4-BE49-F238E27FC236}">
+                <a16:creationId xmlns:a16="http://schemas.microsoft.com/office/drawing/2014/main" id="{B9F72789-6B30-A18B-C72D-874C4E0A0A63}"/>
+              </a:ext>
+            </a:extLst>
+          </p:cNvPr>
+          <p:cNvSpPr>
+            <a:spLocks noGrp="1"/>
+          </p:cNvSpPr>
+          <p:nvPr>
+            <p:ph type="tbl" sz="quarter" idx="14"/>
+          </p:nvPr>
+        </p:nvSpPr>
+        <p:spPr>
+          <a:xfrm>
+            <a:off x="1142728" y="2673043"/>
+            <a:ext cx="10218174" cy="2271252"/>
+          </a:xfrm>
+        </p:spPr>
+        <p:txBody>
+          <a:bodyPr>
+            <a:normAutofit/>
+          </a:bodyPr>
+          <a:lstStyle/>
+          <a:p>
+            <a:pPr marL="342900" indent="-342900" algn="l">
+              <a:buFont typeface="Arial" panose="020B0604020202020204" pitchFamily="34" charset="0"/>
+              <a:buChar char="•"/>
+            </a:pPr>
+            <a:r>
+              <a:rPr lang="en-US" sz="2800" dirty="0">
+                <a:hlinkClick r:id="rId3"/>
+              </a:rPr>
+              <a:t>https://www.baeldung.com/cs/merkle-trees#:~:text=A%20Merkle%20Tree%20is%20a,small%20portion%20of%20the%20data</a:t>
+            </a:r>
+            <a:r>
+              <a:rPr lang="en-US" sz="2800" dirty="0"/>
+              <a:t>.</a:t>
+            </a:r>
+          </a:p>
+          <a:p>
+            <a:pPr marL="342900" indent="-342900" algn="l">
+              <a:buFont typeface="Arial" panose="020B0604020202020204" pitchFamily="34" charset="0"/>
+              <a:buChar char="•"/>
+            </a:pPr>
+            <a:r>
+              <a:rPr lang="en-US" sz="2800" dirty="0"/>
+              <a:t>https://en.wikipedia.org/wiki/Huffman_coding</a:t>
+            </a:r>
+          </a:p>
+        </p:txBody>
+      </p:sp>
+    </p:spTree>
+    <p:extLst>
+      <p:ext uri="{BB962C8B-B14F-4D97-AF65-F5344CB8AC3E}">
+        <p14:creationId xmlns:p14="http://schemas.microsoft.com/office/powerpoint/2010/main" val="3997224378"/>
+      </p:ext>
+    </p:extLst>
+  </p:cSld>
+  <p:clrMapOvr>
+    <a:masterClrMapping/>
+  </p:clrMapOvr>
+</p:sld>
+</file>
+
+<file path=ppt/slides/slide17.xml><?xml version="1.0" encoding="utf-8"?>
+<p:sld xmlns:a="http://schemas.openxmlformats.org/drawingml/2006/main" xmlns:r="http://schemas.openxmlformats.org/officeDocument/2006/relationships" xmlns:p="http://schemas.openxmlformats.org/presentationml/2006/main">
+  <p:cSld>
+    <p:spTree>
+      <p:nvGrpSpPr>
+        <p:cNvPr id="1" name=""/>
+        <p:cNvGrpSpPr/>
+        <p:nvPr/>
+      </p:nvGrpSpPr>
+      <p:grpSpPr>
+        <a:xfrm>
+          <a:off x="0" y="0"/>
+          <a:ext cx="0" cy="0"/>
+          <a:chOff x="0" y="0"/>
+          <a:chExt cx="0" cy="0"/>
+        </a:xfrm>
+      </p:grpSpPr>
+      <p:sp>
+        <p:nvSpPr>
           <p:cNvPr id="2" name="Title 1">
             <a:extLst>
               <a:ext uri="{FF2B5EF4-FFF2-40B4-BE49-F238E27FC236}">
@@ -9141,7 +9614,7 @@
             <a:fld id="{A49DFD55-3C28-40EF-9E31-A92D2E4017FF}" type="slidenum">
               <a:rPr lang="en-US" smtClean="0"/>
               <a:pPr/>
-              <a:t>16</a:t>
+              <a:t>17</a:t>
             </a:fld>
             <a:endParaRPr lang="en-US" dirty="0"/>
           </a:p>
@@ -12914,6 +13387,15 @@
 </file>
 
 <file path=customXml/item1.xml><?xml version="1.0" encoding="utf-8"?>
+<?mso-contentType ?>
+<FormTemplates xmlns="http://schemas.microsoft.com/sharepoint/v3/contenttype/forms">
+  <Display>DocumentLibraryForm</Display>
+  <Edit>DocumentLibraryForm</Edit>
+  <New>DocumentLibraryForm</New>
+</FormTemplates>
+</file>
+
+<file path=customXml/item2.xml><?xml version="1.0" encoding="utf-8"?>
 <p:properties xmlns:p="http://schemas.microsoft.com/office/2006/metadata/properties" xmlns:xsi="http://www.w3.org/2001/XMLSchema-instance" xmlns:pc="http://schemas.microsoft.com/office/infopath/2007/PartnerControls">
   <documentManagement>
     <_ip_UnifiedCompliancePolicyUIAction xmlns="http://schemas.microsoft.com/sharepoint/v3" xsi:nil="true"/>
@@ -12931,15 +13413,6 @@
     <MediaServiceKeyPoints xmlns="71af3243-3dd4-4a8d-8c0d-dd76da1f02a5" xsi:nil="true"/>
   </documentManagement>
 </p:properties>
-</file>
-
-<file path=customXml/item2.xml><?xml version="1.0" encoding="utf-8"?>
-<?mso-contentType ?>
-<FormTemplates xmlns="http://schemas.microsoft.com/sharepoint/v3/contenttype/forms">
-  <Display>DocumentLibraryForm</Display>
-  <Edit>DocumentLibraryForm</Edit>
-  <New>DocumentLibraryForm</New>
-</FormTemplates>
 </file>
 
 <file path=customXml/item3.xml><?xml version="1.0" encoding="utf-8"?>
@@ -13255,6 +13728,14 @@
 </file>
 
 <file path=customXml/itemProps1.xml><?xml version="1.0" encoding="utf-8"?>
+<ds:datastoreItem xmlns:ds="http://schemas.openxmlformats.org/officeDocument/2006/customXml" ds:itemID="{CABF691C-888B-4061-8A6F-D5CE84A0254B}">
+  <ds:schemaRefs>
+    <ds:schemaRef ds:uri="http://schemas.microsoft.com/sharepoint/v3/contenttype/forms"/>
+  </ds:schemaRefs>
+</ds:datastoreItem>
+</file>
+
+<file path=customXml/itemProps2.xml><?xml version="1.0" encoding="utf-8"?>
 <ds:datastoreItem xmlns:ds="http://schemas.openxmlformats.org/officeDocument/2006/customXml" ds:itemID="{49168DCE-134F-4610-A6AA-88CEBE8D71D2}">
   <ds:schemaRefs>
     <ds:schemaRef ds:uri="http://schemas.microsoft.com/office/2006/metadata/properties"/>
@@ -13262,14 +13743,6 @@
     <ds:schemaRef ds:uri="http://schemas.microsoft.com/sharepoint/v3"/>
     <ds:schemaRef ds:uri="71af3243-3dd4-4a8d-8c0d-dd76da1f02a5"/>
     <ds:schemaRef ds:uri="230e9df3-be65-4c73-a93b-d1236ebd677e"/>
-  </ds:schemaRefs>
-</ds:datastoreItem>
-</file>
-
-<file path=customXml/itemProps2.xml><?xml version="1.0" encoding="utf-8"?>
-<ds:datastoreItem xmlns:ds="http://schemas.openxmlformats.org/officeDocument/2006/customXml" ds:itemID="{CABF691C-888B-4061-8A6F-D5CE84A0254B}">
-  <ds:schemaRefs>
-    <ds:schemaRef ds:uri="http://schemas.microsoft.com/sharepoint/v3/contenttype/forms"/>
   </ds:schemaRefs>
 </ds:datastoreItem>
 </file>

--- a/Multi-Level-Hashing.pptx
+++ b/Multi-Level-Hashing.pptx
@@ -231,7 +231,7 @@
           <a:p>
             <a:fld id="{B56F32FC-4BD9-442A-A8C6-51598C909FE3}" type="datetimeFigureOut">
               <a:rPr lang="en-US" smtClean="0"/>
-              <a:t>5/17/2024</a:t>
+              <a:t>5/17/24</a:t>
             </a:fld>
             <a:endParaRPr lang="en-US" dirty="0"/>
           </a:p>
@@ -408,7 +408,7 @@
           <a:p>
             <a:fld id="{056371FA-A98D-41E8-93F4-09945841298A}" type="datetimeFigureOut">
               <a:rPr lang="en-US" smtClean="0"/>
-              <a:t>5/17/2024</a:t>
+              <a:t>5/17/24</a:t>
             </a:fld>
             <a:endParaRPr lang="en-US" dirty="0"/>
           </a:p>
@@ -8464,280 +8464,80 @@
           <a:p>
             <a:r>
               <a:rPr lang="en-US" sz="3800" dirty="0"/>
-              <a:t>Successful attack</a:t>
-            </a:r>
-          </a:p>
-        </p:txBody>
-      </p:sp>
-      <p:graphicFrame>
-        <p:nvGraphicFramePr>
-          <p:cNvPr id="10" name="Table Placeholder 2">
+              <a:t>attack</a:t>
+            </a:r>
+          </a:p>
+        </p:txBody>
+      </p:sp>
+      <p:sp>
+        <p:nvSpPr>
+          <p:cNvPr id="2" name="TextBox 1">
             <a:extLst>
               <a:ext uri="{FF2B5EF4-FFF2-40B4-BE49-F238E27FC236}">
-                <a16:creationId xmlns:a16="http://schemas.microsoft.com/office/drawing/2014/main" id="{15737672-4C83-5989-FED1-61C555DFC1D6}"/>
+                <a16:creationId xmlns:a16="http://schemas.microsoft.com/office/drawing/2014/main" id="{498C83B8-1785-41A2-F1EC-3D165C0AF3B6}"/>
               </a:ext>
             </a:extLst>
           </p:cNvPr>
-          <p:cNvGraphicFramePr>
-            <a:graphicFrameLocks/>
-          </p:cNvGraphicFramePr>
-          <p:nvPr>
-            <p:extLst>
-              <p:ext uri="{D42A27DB-BD31-4B8C-83A1-F6EECF244321}">
-                <p14:modId xmlns:p14="http://schemas.microsoft.com/office/powerpoint/2010/main" val="2332388327"/>
-              </p:ext>
-            </p:extLst>
-          </p:nvPr>
-        </p:nvGraphicFramePr>
-        <p:xfrm>
-          <a:off x="810089" y="2471874"/>
-          <a:ext cx="10571822" cy="3014526"/>
-        </p:xfrm>
-        <a:graphic>
-          <a:graphicData uri="http://schemas.openxmlformats.org/drawingml/2006/table">
-            <a:tbl>
-              <a:tblPr firstRow="1" bandRow="1">
-                <a:tableStyleId>{7E9639D4-E3E2-4D34-9284-5A2195B3D0D7}</a:tableStyleId>
-              </a:tblPr>
-              <a:tblGrid>
-                <a:gridCol w="5285911">
-                  <a:extLst>
-                    <a:ext uri="{9D8B030D-6E8A-4147-A177-3AD203B41FA5}">
-                      <a16:colId xmlns:a16="http://schemas.microsoft.com/office/drawing/2014/main" val="127040821"/>
-                    </a:ext>
-                  </a:extLst>
-                </a:gridCol>
-                <a:gridCol w="5285911">
-                  <a:extLst>
-                    <a:ext uri="{9D8B030D-6E8A-4147-A177-3AD203B41FA5}">
-                      <a16:colId xmlns:a16="http://schemas.microsoft.com/office/drawing/2014/main" val="149845700"/>
-                    </a:ext>
-                  </a:extLst>
-                </a:gridCol>
-              </a:tblGrid>
-              <a:tr h="810285">
-                <a:tc>
-                  <a:txBody>
-                    <a:bodyPr/>
-                    <a:lstStyle/>
-                    <a:p>
-                      <a:pPr algn="ctr"/>
-                      <a:r>
-                        <a:rPr lang="en-US" sz="2600" b="1" dirty="0"/>
-                        <a:t>File content</a:t>
-                      </a:r>
-                    </a:p>
-                  </a:txBody>
-                  <a:tcPr anchor="ctr"/>
-                </a:tc>
-                <a:tc>
-                  <a:txBody>
-                    <a:bodyPr/>
-                    <a:lstStyle/>
-                    <a:p>
-                      <a:pPr algn="ctr"/>
-                      <a:r>
-                        <a:rPr lang="en-US" sz="2600" b="1" dirty="0"/>
-                        <a:t>Hash</a:t>
-                      </a:r>
-                    </a:p>
-                  </a:txBody>
-                  <a:tcPr anchor="ctr"/>
-                </a:tc>
-                <a:extLst>
-                  <a:ext uri="{0D108BD9-81ED-4DB2-BD59-A6C34878D82A}">
-                    <a16:rowId xmlns:a16="http://schemas.microsoft.com/office/drawing/2014/main" val="3298013591"/>
-                  </a:ext>
-                </a:extLst>
-              </a:tr>
-              <a:tr h="1083364">
-                <a:tc>
-                  <a:txBody>
-                    <a:bodyPr/>
-                    <a:lstStyle/>
-                    <a:p>
-                      <a:pPr algn="ctr"/>
-                      <a:r>
-                        <a:rPr lang="en-US" sz="2200" dirty="0"/>
-                        <a:t>My n</a:t>
-                      </a:r>
-                      <a:r>
-                        <a:rPr lang="en-US" sz="2200" dirty="0">
-                          <a:highlight>
-                            <a:srgbClr val="00FF00"/>
-                          </a:highlight>
-                        </a:rPr>
-                        <a:t>a</a:t>
-                      </a:r>
-                      <a:r>
-                        <a:rPr lang="en-US" sz="2200" dirty="0"/>
-                        <a:t>me is Sunaam </a:t>
-                      </a:r>
-                      <a:r>
-                        <a:rPr lang="en-US" sz="2200" dirty="0" err="1"/>
-                        <a:t>Sunaam</a:t>
-                      </a:r>
-                      <a:r>
-                        <a:rPr lang="en-US" sz="2200" dirty="0"/>
-                        <a:t> </a:t>
-                      </a:r>
-                      <a:r>
-                        <a:rPr lang="en-US" sz="2200" dirty="0" err="1"/>
-                        <a:t>Sunaam</a:t>
-                      </a:r>
-                      <a:r>
-                        <a:rPr lang="en-US" sz="2200" dirty="0"/>
-                        <a:t> </a:t>
-                      </a:r>
-                      <a:r>
-                        <a:rPr lang="en-US" sz="2200" dirty="0" err="1"/>
-                        <a:t>Sunaam</a:t>
-                      </a:r>
-                      <a:r>
-                        <a:rPr lang="en-US" sz="2200" dirty="0"/>
-                        <a:t>. Helo </a:t>
-                      </a:r>
-                      <a:r>
-                        <a:rPr lang="en-US" sz="2200" dirty="0" err="1"/>
-                        <a:t>Helo</a:t>
-                      </a:r>
-                      <a:r>
-                        <a:rPr lang="en-US" sz="2200" dirty="0"/>
-                        <a:t> </a:t>
-                      </a:r>
-                      <a:r>
-                        <a:rPr lang="en-US" sz="2200" dirty="0" err="1"/>
-                        <a:t>Helo</a:t>
-                      </a:r>
-                      <a:endParaRPr lang="en-US" sz="2200" dirty="0"/>
-                    </a:p>
-                  </a:txBody>
-                  <a:tcPr anchor="ctr"/>
-                </a:tc>
-                <a:tc>
-                  <a:txBody>
-                    <a:bodyPr/>
-                    <a:lstStyle/>
-                    <a:p>
-                      <a:pPr algn="ctr"/>
-                      <a:r>
-                        <a:rPr lang="en-US" sz="2200" dirty="0"/>
-                        <a:t>0000000600040004000505040004000730353536303430373035353630303135</a:t>
-                      </a:r>
-                    </a:p>
-                  </a:txBody>
-                  <a:tcPr anchor="ctr"/>
-                </a:tc>
-                <a:extLst>
-                  <a:ext uri="{0D108BD9-81ED-4DB2-BD59-A6C34878D82A}">
-                    <a16:rowId xmlns:a16="http://schemas.microsoft.com/office/drawing/2014/main" val="3873867931"/>
-                  </a:ext>
-                </a:extLst>
-              </a:tr>
-              <a:tr h="1120877">
-                <a:tc>
-                  <a:txBody>
-                    <a:bodyPr/>
-                    <a:lstStyle/>
-                    <a:p>
-                      <a:pPr algn="ctr"/>
-                      <a:r>
-                        <a:rPr lang="en-GB" sz="2200" dirty="0"/>
-                        <a:t>My </a:t>
-                      </a:r>
-                      <a:r>
-                        <a:rPr lang="en-GB" sz="2200" dirty="0" err="1"/>
-                        <a:t>n</a:t>
-                      </a:r>
-                      <a:r>
-                        <a:rPr lang="en-GB" sz="2200" dirty="0" err="1">
-                          <a:highlight>
-                            <a:srgbClr val="FFFF00"/>
-                          </a:highlight>
-                        </a:rPr>
-                        <a:t>e</a:t>
-                      </a:r>
-                      <a:r>
-                        <a:rPr lang="en-GB" sz="2200" dirty="0" err="1"/>
-                        <a:t>me</a:t>
-                      </a:r>
-                      <a:r>
-                        <a:rPr lang="en-GB" sz="2200" dirty="0"/>
-                        <a:t> is </a:t>
-                      </a:r>
-                      <a:r>
-                        <a:rPr lang="en-GB" sz="2200" dirty="0" err="1"/>
-                        <a:t>Sunaam</a:t>
-                      </a:r>
-                      <a:r>
-                        <a:rPr lang="en-GB" sz="2200" dirty="0"/>
-                        <a:t> </a:t>
-                      </a:r>
-                      <a:r>
-                        <a:rPr lang="en-GB" sz="2200" dirty="0" err="1"/>
-                        <a:t>Sunaam</a:t>
-                      </a:r>
-                      <a:r>
-                        <a:rPr lang="en-GB" sz="2200" dirty="0"/>
-                        <a:t> </a:t>
-                      </a:r>
-                      <a:r>
-                        <a:rPr lang="en-GB" sz="2200" dirty="0" err="1"/>
-                        <a:t>Sunaam</a:t>
-                      </a:r>
-                      <a:r>
-                        <a:rPr lang="en-GB" sz="2200" dirty="0"/>
-                        <a:t> </a:t>
-                      </a:r>
-                      <a:r>
-                        <a:rPr lang="en-GB" sz="2200" dirty="0" err="1"/>
-                        <a:t>Sunaam</a:t>
-                      </a:r>
-                      <a:r>
-                        <a:rPr lang="en-GB" sz="2200" dirty="0"/>
-                        <a:t>. Helo </a:t>
-                      </a:r>
-                      <a:r>
-                        <a:rPr lang="en-GB" sz="2200" dirty="0" err="1"/>
-                        <a:t>Helo</a:t>
-                      </a:r>
-                      <a:r>
-                        <a:rPr lang="en-GB" sz="2200" dirty="0"/>
-                        <a:t> </a:t>
-                      </a:r>
-                      <a:r>
-                        <a:rPr lang="en-GB" sz="2200" dirty="0" err="1"/>
-                        <a:t>Helo</a:t>
-                      </a:r>
-                      <a:endParaRPr lang="en-US" sz="2200" dirty="0"/>
-                    </a:p>
-                  </a:txBody>
-                  <a:tcPr anchor="ctr"/>
-                </a:tc>
-                <a:tc>
-                  <a:txBody>
-                    <a:bodyPr/>
-                    <a:lstStyle/>
-                    <a:p>
-                      <a:pPr algn="ctr"/>
-                      <a:r>
-                        <a:rPr lang="en-US" sz="2200" dirty="0"/>
-                        <a:t>0000000600040004000505040004000730353536303430373035353630303135</a:t>
-                      </a:r>
-                    </a:p>
-                  </a:txBody>
-                  <a:tcPr anchor="ctr"/>
-                </a:tc>
-                <a:extLst>
-                  <a:ext uri="{0D108BD9-81ED-4DB2-BD59-A6C34878D82A}">
-                    <a16:rowId xmlns:a16="http://schemas.microsoft.com/office/drawing/2014/main" val="85209771"/>
-                  </a:ext>
-                </a:extLst>
-              </a:tr>
-            </a:tbl>
-          </a:graphicData>
-        </a:graphic>
-      </p:graphicFrame>
+          <p:cNvSpPr txBox="1"/>
+          <p:nvPr/>
+        </p:nvSpPr>
+        <p:spPr>
+          <a:xfrm>
+            <a:off x="789081" y="1968417"/>
+            <a:ext cx="10818719" cy="1569660"/>
+          </a:xfrm>
+          <a:prstGeom prst="rect">
+            <a:avLst/>
+          </a:prstGeom>
+          <a:noFill/>
+        </p:spPr>
+        <p:txBody>
+          <a:bodyPr wrap="square" rtlCol="0">
+            <a:spAutoFit/>
+          </a:bodyPr>
+          <a:lstStyle/>
+          <a:p>
+            <a:pPr marL="342900" indent="-342900">
+              <a:buFont typeface="Arial" panose="020B0604020202020204" pitchFamily="34" charset="0"/>
+              <a:buChar char="•"/>
+            </a:pPr>
+            <a:r>
+              <a:rPr lang="en-PK" sz="2400" dirty="0"/>
+              <a:t>Approach 1:</a:t>
+            </a:r>
+          </a:p>
+          <a:p>
+            <a:pPr marL="800100" lvl="1" indent="-342900">
+              <a:buFont typeface="Arial" panose="020B0604020202020204" pitchFamily="34" charset="0"/>
+              <a:buChar char="•"/>
+            </a:pPr>
+            <a:r>
+              <a:rPr lang="en-PK" sz="2400" dirty="0"/>
+              <a:t>Generate Random substrings to match the outputs of the hash functions</a:t>
+            </a:r>
+          </a:p>
+          <a:p>
+            <a:pPr marL="342900" indent="-342900">
+              <a:buFont typeface="Arial" panose="020B0604020202020204" pitchFamily="34" charset="0"/>
+              <a:buChar char="•"/>
+            </a:pPr>
+            <a:r>
+              <a:rPr lang="en-PK" sz="2400" dirty="0"/>
+              <a:t>Approach 2:</a:t>
+            </a:r>
+          </a:p>
+          <a:p>
+            <a:pPr marL="800100" lvl="1" indent="-342900">
+              <a:buFont typeface="Arial" panose="020B0604020202020204" pitchFamily="34" charset="0"/>
+              <a:buChar char="•"/>
+            </a:pPr>
+            <a:r>
+              <a:rPr lang="en-PK" sz="2400" dirty="0"/>
+              <a:t>Use similar text to evaluate Second Pre-Image Collision Resistance.</a:t>
+            </a:r>
+          </a:p>
+        </p:txBody>
+      </p:sp>
     </p:spTree>
     <p:extLst>
       <p:ext uri="{BB962C8B-B14F-4D97-AF65-F5344CB8AC3E}">
@@ -9460,8 +9260,12 @@
           <a:lstStyle/>
           <a:p>
             <a:r>
+              <a:rPr lang="en-US" sz="3600" dirty="0" err="1"/>
+              <a:t>Github</a:t>
+            </a:r>
+            <a:r>
               <a:rPr lang="en-US" sz="3600" dirty="0"/>
-              <a:t>References:</a:t>
+              <a:t>:</a:t>
             </a:r>
           </a:p>
         </p:txBody>
@@ -9499,24 +9303,16 @@
               <a:buChar char="•"/>
             </a:pPr>
             <a:r>
-              <a:rPr lang="en-US" sz="2800" dirty="0">
-                <a:hlinkClick r:id="rId3"/>
-              </a:rPr>
-              <a:t>https://www.baeldung.com/cs/merkle-trees#:~:text=A%20Merkle%20Tree%20is%20a,small%20portion%20of%20the%20data</a:t>
-            </a:r>
-            <a:r>
               <a:rPr lang="en-US" sz="2800" dirty="0"/>
-              <a:t>.</a:t>
-            </a:r>
-          </a:p>
-          <a:p>
-            <a:pPr marL="342900" indent="-342900" algn="l">
-              <a:buFont typeface="Arial" panose="020B0604020202020204" pitchFamily="34" charset="0"/>
-              <a:buChar char="•"/>
-            </a:pPr>
+              <a:t>https://</a:t>
+            </a:r>
+            <a:r>
+              <a:rPr lang="en-US" sz="2800" dirty="0" err="1"/>
+              <a:t>github.com</a:t>
+            </a:r>
             <a:r>
               <a:rPr lang="en-US" sz="2800" dirty="0"/>
-              <a:t>https://en.wikipedia.org/wiki/Huffman_coding</a:t>
+              <a:t>/umar-tariq-1/Multi-Level-Hashing</a:t>
             </a:r>
           </a:p>
         </p:txBody>
@@ -10003,17 +9799,7 @@
             </a:pPr>
             <a:r>
               <a:rPr lang="en-GB" sz="2800" dirty="0"/>
-              <a:t>Utilization of multi-level hashing inspired by Merkle trees.</a:t>
-            </a:r>
-          </a:p>
-          <a:p>
-            <a:pPr marL="285750" indent="-285750">
-              <a:buFont typeface="Arial" panose="020B0604020202020204" pitchFamily="34" charset="0"/>
-              <a:buChar char="•"/>
-            </a:pPr>
-            <a:r>
-              <a:rPr lang="en-GB" sz="2800" dirty="0"/>
-              <a:t>Integration of Huffman encoding for efficient representation of words.</a:t>
+              <a:t>Utilization of multi-level hashing using binary trees.</a:t>
             </a:r>
           </a:p>
           <a:p>
@@ -10282,7 +10068,7 @@
         <p:spPr>
           <a:xfrm>
             <a:off x="1090344" y="1631281"/>
-            <a:ext cx="10270558" cy="4922378"/>
+            <a:ext cx="10270558" cy="2127919"/>
           </a:xfrm>
         </p:spPr>
         <p:txBody>
@@ -10310,38 +10096,38 @@
               <a:t>Implementation of custom hashing algorithm for generating node hashes.</a:t>
             </a:r>
           </a:p>
-          <a:p>
-            <a:pPr marL="285750" indent="-285750">
-              <a:buFont typeface="Arial" panose="020B0604020202020204" pitchFamily="34" charset="0"/>
-              <a:buChar char="•"/>
-            </a:pPr>
-            <a:r>
-              <a:rPr lang="en-GB" sz="2800" dirty="0"/>
-              <a:t>Integration of data structures to represent the hierarchical tree efficiently.</a:t>
-            </a:r>
-          </a:p>
-          <a:p>
-            <a:pPr marL="285750" indent="-285750">
-              <a:buFont typeface="Arial" panose="020B0604020202020204" pitchFamily="34" charset="0"/>
-              <a:buChar char="•"/>
-            </a:pPr>
-            <a:r>
-              <a:rPr lang="en-GB" sz="2800" dirty="0"/>
-              <a:t>Implementation of traversal mechanisms for searching and updating nodes during data insertion or retrieval.</a:t>
-            </a:r>
-          </a:p>
-          <a:p>
-            <a:pPr marL="285750" indent="-285750">
-              <a:buFont typeface="Arial" panose="020B0604020202020204" pitchFamily="34" charset="0"/>
-              <a:buChar char="•"/>
-            </a:pPr>
-            <a:r>
-              <a:rPr lang="en-GB" sz="2800" dirty="0"/>
-              <a:t>Testing and validation procedures to ensure the correctness and effectiveness of the security mechanism.</a:t>
-            </a:r>
-          </a:p>
-        </p:txBody>
-      </p:sp>
+        </p:txBody>
+      </p:sp>
+      <p:pic>
+        <p:nvPicPr>
+          <p:cNvPr id="4" name="Picture 3">
+            <a:extLst>
+              <a:ext uri="{FF2B5EF4-FFF2-40B4-BE49-F238E27FC236}">
+                <a16:creationId xmlns:a16="http://schemas.microsoft.com/office/drawing/2014/main" id="{A64842D0-07F6-7EB8-2519-BC17A6050E01}"/>
+              </a:ext>
+            </a:extLst>
+          </p:cNvPr>
+          <p:cNvPicPr>
+            <a:picLocks noChangeAspect="1"/>
+          </p:cNvPicPr>
+          <p:nvPr/>
+        </p:nvPicPr>
+        <p:blipFill>
+          <a:blip r:embed="rId3"/>
+          <a:stretch>
+            <a:fillRect/>
+          </a:stretch>
+        </p:blipFill>
+        <p:spPr>
+          <a:xfrm>
+            <a:off x="2656163" y="3615217"/>
+            <a:ext cx="6879673" cy="2978943"/>
+          </a:xfrm>
+          <a:prstGeom prst="rect">
+            <a:avLst/>
+          </a:prstGeom>
+        </p:spPr>
+      </p:pic>
     </p:spTree>
     <p:extLst>
       <p:ext uri="{BB962C8B-B14F-4D97-AF65-F5344CB8AC3E}">
@@ -10660,8 +10446,8 @@
         </p:nvSpPr>
         <p:spPr>
           <a:xfrm>
-            <a:off x="824873" y="1611156"/>
-            <a:ext cx="9410508" cy="4922378"/>
+            <a:off x="824872" y="1611156"/>
+            <a:ext cx="10821027" cy="4922378"/>
           </a:xfrm>
           <a:prstGeom prst="rect">
             <a:avLst/>
@@ -10669,7 +10455,7 @@
         </p:spPr>
         <p:txBody>
           <a:bodyPr>
-            <a:normAutofit lnSpcReduction="10000"/>
+            <a:normAutofit/>
           </a:bodyPr>
           <a:lstStyle>
             <a:lvl1pPr marL="228600" indent="-228600" algn="l" defTabSz="914400" rtl="0" eaLnBrk="1" latinLnBrk="0" hangingPunct="1">
@@ -10836,12 +10622,28 @@
             </a:lvl9pPr>
           </a:lstStyle>
           <a:p>
+            <a:r>
+              <a:rPr lang="en-GB" sz="2400" dirty="0"/>
+              <a:t>Input Data: Receive input data to be hashed.</a:t>
+            </a:r>
+          </a:p>
+          <a:p>
+            <a:r>
+              <a:rPr lang="en-GB" sz="2400" dirty="0"/>
+              <a:t>Data Compression:</a:t>
+            </a:r>
+          </a:p>
+          <a:p>
             <a:pPr marL="0" indent="0">
               <a:buNone/>
             </a:pPr>
             <a:r>
+              <a:rPr lang="en-GB" dirty="0"/>
+              <a:t>	</a:t>
+            </a:r>
+            <a:r>
               <a:rPr lang="en-GB" sz="2400" dirty="0"/>
-              <a:t>Input Data: Receive input data to be hashed.</a:t>
+              <a:t>Convert input data to bytes using UTF-8 encoding.</a:t>
             </a:r>
           </a:p>
           <a:p>
@@ -10850,7 +10652,7 @@
             </a:pPr>
             <a:r>
               <a:rPr lang="en-GB" sz="2400" dirty="0"/>
-              <a:t>Data Compression:</a:t>
+              <a:t>	Divide the input data into 16-byte (128-bit) chunks.</a:t>
             </a:r>
           </a:p>
           <a:p>
@@ -10858,8 +10660,8 @@
               <a:buNone/>
             </a:pPr>
             <a:r>
-              <a:rPr lang="en-GB" dirty="0"/>
-              <a:t>	Convert input data to bytes using UTF-8 encoding.</a:t>
+              <a:rPr lang="en-GB" sz="2400" dirty="0"/>
+              <a:t>	Convert each chunk into hexadecimal representation.</a:t>
             </a:r>
           </a:p>
           <a:p>
@@ -10867,8 +10669,14 @@
               <a:buNone/>
             </a:pPr>
             <a:r>
-              <a:rPr lang="en-GB" dirty="0"/>
-              <a:t>	Divide the input data into 16-byte (128-bit) chunks.</a:t>
+              <a:rPr lang="en-GB" sz="2400" dirty="0"/>
+              <a:t>	Pad the last chunk with 'f's if it is less than 128 bits.</a:t>
+            </a:r>
+          </a:p>
+          <a:p>
+            <a:r>
+              <a:rPr lang="en-GB" sz="2400" dirty="0"/>
+              <a:t>Perform XOR operation on the hexadecimal chunks:</a:t>
             </a:r>
           </a:p>
           <a:p>
@@ -10877,7 +10685,11 @@
             </a:pPr>
             <a:r>
               <a:rPr lang="en-GB" dirty="0"/>
-              <a:t>	Convert each chunk into hexadecimal representation.</a:t>
+              <a:t>	</a:t>
+            </a:r>
+            <a:r>
+              <a:rPr lang="en-GB" sz="2400" dirty="0"/>
+              <a:t>If there is only one chunk, XOR it with the length of original data bytes.</a:t>
             </a:r>
           </a:p>
           <a:p>
@@ -10885,35 +10697,8 @@
               <a:buNone/>
             </a:pPr>
             <a:r>
-              <a:rPr lang="en-GB" dirty="0"/>
-              <a:t>	Pad the last chunk with 'f's if it is less than 128 bits.</a:t>
-            </a:r>
-          </a:p>
-          <a:p>
-            <a:pPr marL="0" indent="0">
-              <a:buNone/>
-            </a:pPr>
-            <a:r>
               <a:rPr lang="en-GB" sz="2400" dirty="0"/>
-              <a:t>Perform XOR operation on the hexadecimal chunks:</a:t>
-            </a:r>
-          </a:p>
-          <a:p>
-            <a:pPr marL="0" indent="0">
-              <a:buNone/>
-            </a:pPr>
-            <a:r>
-              <a:rPr lang="en-GB" dirty="0"/>
-              <a:t>	If there is only one chunk, XOR it with the length of original 	data bytes.</a:t>
-            </a:r>
-          </a:p>
-          <a:p>
-            <a:pPr marL="0" indent="0">
-              <a:buNone/>
-            </a:pPr>
-            <a:r>
-              <a:rPr lang="en-GB" dirty="0"/>
-              <a:t>	If there are multiple chunks, XOR each chunk iteratively to 	produce a final 128 bits result.</a:t>
+              <a:t>	If there are multiple chunks, XOR each chunk iteratively to produce a final 	128 bits result.</a:t>
             </a:r>
           </a:p>
         </p:txBody>
@@ -11236,8 +11021,8 @@
         </p:nvSpPr>
         <p:spPr>
           <a:xfrm>
-            <a:off x="824873" y="1611156"/>
-            <a:ext cx="9410508" cy="5246844"/>
+            <a:off x="824872" y="1611156"/>
+            <a:ext cx="10909927" cy="5246844"/>
           </a:xfrm>
           <a:prstGeom prst="rect">
             <a:avLst/>
@@ -11412,12 +11197,18 @@
             </a:lvl9pPr>
           </a:lstStyle>
           <a:p>
+            <a:r>
+              <a:rPr lang="en-GB" sz="2400" dirty="0"/>
+              <a:t>Initialization:</a:t>
+            </a:r>
+          </a:p>
+          <a:p>
             <a:pPr marL="0" indent="0">
               <a:buNone/>
             </a:pPr>
             <a:r>
-              <a:rPr lang="en-GB" dirty="0"/>
-              <a:t>Initialization:</a:t>
+              <a:rPr lang="en-GB" sz="2400" dirty="0"/>
+              <a:t>	Split the compressed data into two equal parts, each consisting of 16 	bytes (128 bits).</a:t>
             </a:r>
           </a:p>
           <a:p>
@@ -11425,8 +11216,26 @@
               <a:buNone/>
             </a:pPr>
             <a:r>
-              <a:rPr lang="en-GB" dirty="0"/>
-              <a:t>	Split the compressed data into two equal parts, each 	consisting of 16 bytes (128 bits).</a:t>
+              <a:rPr lang="en-GB" sz="2400" dirty="0"/>
+              <a:t>	Convert each part into binary representation.</a:t>
+            </a:r>
+          </a:p>
+          <a:p>
+            <a:r>
+              <a:rPr lang="en-GB" sz="2400" dirty="0"/>
+              <a:t>Feistel Structure:</a:t>
+            </a:r>
+          </a:p>
+          <a:p>
+            <a:r>
+              <a:rPr lang="en-GB" sz="2400" dirty="0"/>
+              <a:t>Begin multiple rounds of the Feistel structure with XOR operations</a:t>
+            </a:r>
+          </a:p>
+          <a:p>
+            <a:r>
+              <a:rPr lang="en-GB" sz="2400" dirty="0"/>
+              <a:t>Round Function:</a:t>
             </a:r>
           </a:p>
           <a:p>
@@ -11434,8 +11243,8 @@
               <a:buNone/>
             </a:pPr>
             <a:r>
-              <a:rPr lang="en-GB" dirty="0"/>
-              <a:t>	Convert each part into binary representation.</a:t>
+              <a:rPr lang="en-GB" sz="2400" dirty="0"/>
+              <a:t>	Combine the right part with a key.</a:t>
             </a:r>
           </a:p>
           <a:p>
@@ -11443,44 +11252,8 @@
               <a:buNone/>
             </a:pPr>
             <a:r>
-              <a:rPr lang="en-GB" dirty="0"/>
-              <a:t>Feistel Structure:</a:t>
-            </a:r>
-          </a:p>
-          <a:p>
-            <a:pPr marL="0" indent="0">
-              <a:buNone/>
-            </a:pPr>
-            <a:r>
-              <a:rPr lang="en-GB" dirty="0"/>
-              <a:t>Begin multiple rounds of the Feistel structure with XOR operations:</a:t>
-            </a:r>
-          </a:p>
-          <a:p>
-            <a:pPr marL="0" indent="0">
-              <a:buNone/>
-            </a:pPr>
-            <a:r>
-              <a:rPr lang="en-GB" dirty="0"/>
-              <a:t>Round Function:</a:t>
-            </a:r>
-          </a:p>
-          <a:p>
-            <a:pPr marL="0" indent="0">
-              <a:buNone/>
-            </a:pPr>
-            <a:r>
-              <a:rPr lang="en-GB" dirty="0"/>
-              <a:t>	Combine the right part with a key.</a:t>
-            </a:r>
-          </a:p>
-          <a:p>
-            <a:pPr marL="0" indent="0">
-              <a:buNone/>
-            </a:pPr>
-            <a:r>
-              <a:rPr lang="en-GB" dirty="0"/>
-              <a:t>	Apply a custom round function to produce a hash 	output.</a:t>
+              <a:rPr lang="en-GB" sz="2400" dirty="0"/>
+              <a:t>	Apply a custom round function to produce a hash output.</a:t>
             </a:r>
           </a:p>
         </p:txBody>
@@ -11803,8 +11576,8 @@
         </p:nvSpPr>
         <p:spPr>
           <a:xfrm>
-            <a:off x="824873" y="1611156"/>
-            <a:ext cx="9410508" cy="5246844"/>
+            <a:off x="824872" y="1611156"/>
+            <a:ext cx="10757527" cy="5246844"/>
           </a:xfrm>
           <a:prstGeom prst="rect">
             <a:avLst/>
@@ -11979,12 +11752,30 @@
             </a:lvl9pPr>
           </a:lstStyle>
           <a:p>
+            <a:r>
+              <a:rPr lang="en-GB" sz="2400" dirty="0"/>
+              <a:t>The round function involves:</a:t>
+            </a:r>
+          </a:p>
+          <a:p>
             <a:pPr marL="0" indent="0">
               <a:buNone/>
             </a:pPr>
             <a:r>
-              <a:rPr lang="en-GB" dirty="0"/>
-              <a:t>The round function involves:</a:t>
+              <a:rPr lang="en-GB" sz="2400" dirty="0"/>
+              <a:t>	Concatenating the right part with the key.</a:t>
+            </a:r>
+          </a:p>
+          <a:p>
+            <a:r>
+              <a:rPr lang="en-GB" sz="2400" dirty="0"/>
+              <a:t>Applying a custom compression function to the concatenated data to produce a hash output</a:t>
+            </a:r>
+          </a:p>
+          <a:p>
+            <a:r>
+              <a:rPr lang="en-GB" sz="2400" dirty="0"/>
+              <a:t>XOR Operation:</a:t>
             </a:r>
           </a:p>
           <a:p>
@@ -11992,8 +11783,8 @@
               <a:buNone/>
             </a:pPr>
             <a:r>
-              <a:rPr lang="en-GB" dirty="0"/>
-              <a:t>	Concatenating the right part with the key.</a:t>
+              <a:rPr lang="en-GB" sz="2400" dirty="0"/>
+              <a:t>	XOR the hash output with the left part to update the right part.</a:t>
             </a:r>
           </a:p>
           <a:p>
@@ -12001,16 +11792,8 @@
               <a:buNone/>
             </a:pPr>
             <a:r>
-              <a:rPr lang="en-GB" dirty="0"/>
-              <a:t>Applying a custom compression function to the concatenated data to produce a hash </a:t>
-            </a:r>
-            <a:r>
-              <a:rPr lang="en-GB" dirty="0" err="1"/>
-              <a:t>output.XOR</a:t>
-            </a:r>
-            <a:r>
-              <a:rPr lang="en-GB" dirty="0"/>
-              <a:t> Operation:</a:t>
+              <a:rPr lang="en-GB" sz="2400" dirty="0"/>
+              <a:t>	The original right part updates to become the left part.</a:t>
             </a:r>
           </a:p>
           <a:p>
@@ -12018,26 +11801,8 @@
               <a:buNone/>
             </a:pPr>
             <a:r>
-              <a:rPr lang="en-GB" dirty="0"/>
-              <a:t>	XOR the hash output with the left part to update the 	right part.</a:t>
-            </a:r>
-          </a:p>
-          <a:p>
-            <a:pPr marL="0" indent="0">
-              <a:buNone/>
-            </a:pPr>
-            <a:r>
-              <a:rPr lang="en-GB" dirty="0"/>
-              <a:t>	The original right part updates to become the left 	part.</a:t>
-            </a:r>
-          </a:p>
-          <a:p>
-            <a:pPr marL="0" indent="0">
-              <a:buNone/>
-            </a:pPr>
-            <a:r>
-              <a:rPr lang="en-GB" dirty="0"/>
-              <a:t>	Repeat the round function and XOR operation for a 	specified number of rounds (e.g., 10 rounds).</a:t>
+              <a:rPr lang="en-GB" sz="2400" dirty="0"/>
+              <a:t>	Repeat the round function and XOR operation for a specified number 	of 	rounds (e.g., 10 rounds).</a:t>
             </a:r>
           </a:p>
         </p:txBody>
@@ -12536,12 +12301,24 @@
             </a:lvl9pPr>
           </a:lstStyle>
           <a:p>
+            <a:r>
+              <a:rPr lang="en-GB" sz="2400" dirty="0"/>
+              <a:t>Combine Parts:</a:t>
+            </a:r>
+          </a:p>
+          <a:p>
             <a:pPr marL="0" indent="0">
               <a:buNone/>
             </a:pPr>
             <a:r>
-              <a:rPr lang="en-GB" dirty="0"/>
-              <a:t>Combine Parts:</a:t>
+              <a:rPr lang="en-GB" sz="2400" dirty="0"/>
+              <a:t>	Concatenate the left and right parts to produce the output hash.</a:t>
+            </a:r>
+          </a:p>
+          <a:p>
+            <a:r>
+              <a:rPr lang="en-GB" sz="2400" dirty="0"/>
+              <a:t>Hexadecimal Conversion:</a:t>
             </a:r>
           </a:p>
           <a:p>
@@ -12549,34 +12326,13 @@
               <a:buNone/>
             </a:pPr>
             <a:r>
-              <a:rPr lang="en-GB" dirty="0"/>
-              <a:t>	Concatenate the left and right parts to produce the 	output hash.</a:t>
-            </a:r>
-          </a:p>
-          <a:p>
-            <a:pPr marL="0" indent="0">
-              <a:buNone/>
-            </a:pPr>
-            <a:r>
-              <a:rPr lang="en-GB" dirty="0"/>
-              <a:t>Hexadecimal Conversion:</a:t>
-            </a:r>
-          </a:p>
-          <a:p>
-            <a:pPr marL="0" indent="0">
-              <a:buNone/>
-            </a:pPr>
-            <a:r>
-              <a:rPr lang="en-GB" dirty="0"/>
-              <a:t>	Convert the binary hash to hexadecimal 	representation.</a:t>
-            </a:r>
-          </a:p>
-          <a:p>
-            <a:pPr marL="0" indent="0">
-              <a:buNone/>
-            </a:pPr>
-            <a:r>
-              <a:rPr lang="en-GB" dirty="0"/>
+              <a:rPr lang="en-GB" sz="2400" dirty="0"/>
+              <a:t>	Convert the binary hash to hexadecimal representation.</a:t>
+            </a:r>
+          </a:p>
+          <a:p>
+            <a:r>
+              <a:rPr lang="en-GB" sz="2400" dirty="0"/>
               <a:t>Output Hash: Final output hash value.</a:t>
             </a:r>
           </a:p>
@@ -13387,15 +13143,6 @@
 </file>
 
 <file path=customXml/item1.xml><?xml version="1.0" encoding="utf-8"?>
-<?mso-contentType ?>
-<FormTemplates xmlns="http://schemas.microsoft.com/sharepoint/v3/contenttype/forms">
-  <Display>DocumentLibraryForm</Display>
-  <Edit>DocumentLibraryForm</Edit>
-  <New>DocumentLibraryForm</New>
-</FormTemplates>
-</file>
-
-<file path=customXml/item2.xml><?xml version="1.0" encoding="utf-8"?>
 <p:properties xmlns:p="http://schemas.microsoft.com/office/2006/metadata/properties" xmlns:xsi="http://www.w3.org/2001/XMLSchema-instance" xmlns:pc="http://schemas.microsoft.com/office/infopath/2007/PartnerControls">
   <documentManagement>
     <_ip_UnifiedCompliancePolicyUIAction xmlns="http://schemas.microsoft.com/sharepoint/v3" xsi:nil="true"/>
@@ -13413,6 +13160,15 @@
     <MediaServiceKeyPoints xmlns="71af3243-3dd4-4a8d-8c0d-dd76da1f02a5" xsi:nil="true"/>
   </documentManagement>
 </p:properties>
+</file>
+
+<file path=customXml/item2.xml><?xml version="1.0" encoding="utf-8"?>
+<?mso-contentType ?>
+<FormTemplates xmlns="http://schemas.microsoft.com/sharepoint/v3/contenttype/forms">
+  <Display>DocumentLibraryForm</Display>
+  <Edit>DocumentLibraryForm</Edit>
+  <New>DocumentLibraryForm</New>
+</FormTemplates>
 </file>
 
 <file path=customXml/item3.xml><?xml version="1.0" encoding="utf-8"?>
@@ -13728,14 +13484,6 @@
 </file>
 
 <file path=customXml/itemProps1.xml><?xml version="1.0" encoding="utf-8"?>
-<ds:datastoreItem xmlns:ds="http://schemas.openxmlformats.org/officeDocument/2006/customXml" ds:itemID="{CABF691C-888B-4061-8A6F-D5CE84A0254B}">
-  <ds:schemaRefs>
-    <ds:schemaRef ds:uri="http://schemas.microsoft.com/sharepoint/v3/contenttype/forms"/>
-  </ds:schemaRefs>
-</ds:datastoreItem>
-</file>
-
-<file path=customXml/itemProps2.xml><?xml version="1.0" encoding="utf-8"?>
 <ds:datastoreItem xmlns:ds="http://schemas.openxmlformats.org/officeDocument/2006/customXml" ds:itemID="{49168DCE-134F-4610-A6AA-88CEBE8D71D2}">
   <ds:schemaRefs>
     <ds:schemaRef ds:uri="http://schemas.microsoft.com/office/2006/metadata/properties"/>
@@ -13743,6 +13491,14 @@
     <ds:schemaRef ds:uri="http://schemas.microsoft.com/sharepoint/v3"/>
     <ds:schemaRef ds:uri="71af3243-3dd4-4a8d-8c0d-dd76da1f02a5"/>
     <ds:schemaRef ds:uri="230e9df3-be65-4c73-a93b-d1236ebd677e"/>
+  </ds:schemaRefs>
+</ds:datastoreItem>
+</file>
+
+<file path=customXml/itemProps2.xml><?xml version="1.0" encoding="utf-8"?>
+<ds:datastoreItem xmlns:ds="http://schemas.openxmlformats.org/officeDocument/2006/customXml" ds:itemID="{CABF691C-888B-4061-8A6F-D5CE84A0254B}">
+  <ds:schemaRefs>
+    <ds:schemaRef ds:uri="http://schemas.microsoft.com/sharepoint/v3/contenttype/forms"/>
   </ds:schemaRefs>
 </ds:datastoreItem>
 </file>

--- a/Multi-Level-Hashing.pptx
+++ b/Multi-Level-Hashing.pptx
@@ -231,7 +231,7 @@
           <a:p>
             <a:fld id="{B56F32FC-4BD9-442A-A8C6-51598C909FE3}" type="datetimeFigureOut">
               <a:rPr lang="en-US" smtClean="0"/>
-              <a:t>5/17/24</a:t>
+              <a:t>5/17/2024</a:t>
             </a:fld>
             <a:endParaRPr lang="en-US" dirty="0"/>
           </a:p>
@@ -408,7 +408,7 @@
           <a:p>
             <a:fld id="{056371FA-A98D-41E8-93F4-09945841298A}" type="datetimeFigureOut">
               <a:rPr lang="en-US" smtClean="0"/>
-              <a:t>5/17/24</a:t>
+              <a:t>5/17/2024</a:t>
             </a:fld>
             <a:endParaRPr lang="en-US" dirty="0"/>
           </a:p>
@@ -8538,6 +8538,36 @@
           </a:p>
         </p:txBody>
       </p:sp>
+      <p:pic>
+        <p:nvPicPr>
+          <p:cNvPr id="4" name="Picture 3">
+            <a:extLst>
+              <a:ext uri="{FF2B5EF4-FFF2-40B4-BE49-F238E27FC236}">
+                <a16:creationId xmlns:a16="http://schemas.microsoft.com/office/drawing/2014/main" id="{1F777BE8-0F70-4D36-4A08-7E1C4B0530A7}"/>
+              </a:ext>
+            </a:extLst>
+          </p:cNvPr>
+          <p:cNvPicPr>
+            <a:picLocks noChangeAspect="1"/>
+          </p:cNvPicPr>
+          <p:nvPr/>
+        </p:nvPicPr>
+        <p:blipFill>
+          <a:blip r:embed="rId3"/>
+          <a:stretch>
+            <a:fillRect/>
+          </a:stretch>
+        </p:blipFill>
+        <p:spPr>
+          <a:xfrm>
+            <a:off x="2818424" y="4016766"/>
+            <a:ext cx="6810788" cy="2339583"/>
+          </a:xfrm>
+          <a:prstGeom prst="rect">
+            <a:avLst/>
+          </a:prstGeom>
+        </p:spPr>
+      </p:pic>
     </p:spTree>
     <p:extLst>
       <p:ext uri="{BB962C8B-B14F-4D97-AF65-F5344CB8AC3E}">
@@ -13143,35 +13173,6 @@
 </file>
 
 <file path=customXml/item1.xml><?xml version="1.0" encoding="utf-8"?>
-<p:properties xmlns:p="http://schemas.microsoft.com/office/2006/metadata/properties" xmlns:xsi="http://www.w3.org/2001/XMLSchema-instance" xmlns:pc="http://schemas.microsoft.com/office/infopath/2007/PartnerControls">
-  <documentManagement>
-    <_ip_UnifiedCompliancePolicyUIAction xmlns="http://schemas.microsoft.com/sharepoint/v3" xsi:nil="true"/>
-    <Image xmlns="71af3243-3dd4-4a8d-8c0d-dd76da1f02a5">
-      <Url xsi:nil="true"/>
-      <Description xsi:nil="true"/>
-    </Image>
-    <Status xmlns="71af3243-3dd4-4a8d-8c0d-dd76da1f02a5">Not started</Status>
-    <Background xmlns="71af3243-3dd4-4a8d-8c0d-dd76da1f02a5">false</Background>
-    <_ip_UnifiedCompliancePolicyProperties xmlns="http://schemas.microsoft.com/sharepoint/v3" xsi:nil="true"/>
-    <ImageTagsTaxHTField xmlns="71af3243-3dd4-4a8d-8c0d-dd76da1f02a5">
-      <Terms xmlns="http://schemas.microsoft.com/office/infopath/2007/PartnerControls"/>
-    </ImageTagsTaxHTField>
-    <TaxCatchAll xmlns="230e9df3-be65-4c73-a93b-d1236ebd677e" xsi:nil="true"/>
-    <MediaServiceKeyPoints xmlns="71af3243-3dd4-4a8d-8c0d-dd76da1f02a5" xsi:nil="true"/>
-  </documentManagement>
-</p:properties>
-</file>
-
-<file path=customXml/item2.xml><?xml version="1.0" encoding="utf-8"?>
-<?mso-contentType ?>
-<FormTemplates xmlns="http://schemas.microsoft.com/sharepoint/v3/contenttype/forms">
-  <Display>DocumentLibraryForm</Display>
-  <Edit>DocumentLibraryForm</Edit>
-  <New>DocumentLibraryForm</New>
-</FormTemplates>
-</file>
-
-<file path=customXml/item3.xml><?xml version="1.0" encoding="utf-8"?>
 <ct:contentTypeSchema xmlns:ct="http://schemas.microsoft.com/office/2006/metadata/contentType" xmlns:ma="http://schemas.microsoft.com/office/2006/metadata/properties/metaAttributes" ct:_="" ma:_="" ma:contentTypeName="Document" ma:contentTypeID="0x01010079F111ED35F8CC479449609E8A0923A6" ma:contentTypeVersion="28" ma:contentTypeDescription="Create a new document." ma:contentTypeScope="" ma:versionID="60f5a4f2d2b0abadcf532d48ebf9cb71">
   <xsd:schema xmlns:xsd="http://www.w3.org/2001/XMLSchema" xmlns:xs="http://www.w3.org/2001/XMLSchema" xmlns:p="http://schemas.microsoft.com/office/2006/metadata/properties" xmlns:ns1="http://schemas.microsoft.com/sharepoint/v3" xmlns:ns2="71af3243-3dd4-4a8d-8c0d-dd76da1f02a5" xmlns:ns3="16c05727-aa75-4e4a-9b5f-8a80a1165891" xmlns:ns4="230e9df3-be65-4c73-a93b-d1236ebd677e" targetNamespace="http://schemas.microsoft.com/office/2006/metadata/properties" ma:root="true" ma:fieldsID="7dd78129e6a1811f84807ad11c651531" ns1:_="" ns2:_="" ns3:_="" ns4:_="">
     <xsd:import namespace="http://schemas.microsoft.com/sharepoint/v3"/>
@@ -13483,27 +13484,36 @@
 </ct:contentTypeSchema>
 </file>
 
-<file path=customXml/itemProps1.xml><?xml version="1.0" encoding="utf-8"?>
-<ds:datastoreItem xmlns:ds="http://schemas.openxmlformats.org/officeDocument/2006/customXml" ds:itemID="{49168DCE-134F-4610-A6AA-88CEBE8D71D2}">
-  <ds:schemaRefs>
-    <ds:schemaRef ds:uri="http://schemas.microsoft.com/office/2006/metadata/properties"/>
-    <ds:schemaRef ds:uri="http://schemas.microsoft.com/office/infopath/2007/PartnerControls"/>
-    <ds:schemaRef ds:uri="http://schemas.microsoft.com/sharepoint/v3"/>
-    <ds:schemaRef ds:uri="71af3243-3dd4-4a8d-8c0d-dd76da1f02a5"/>
-    <ds:schemaRef ds:uri="230e9df3-be65-4c73-a93b-d1236ebd677e"/>
-  </ds:schemaRefs>
-</ds:datastoreItem>
+<file path=customXml/item2.xml><?xml version="1.0" encoding="utf-8"?>
+<?mso-contentType ?>
+<FormTemplates xmlns="http://schemas.microsoft.com/sharepoint/v3/contenttype/forms">
+  <Display>DocumentLibraryForm</Display>
+  <Edit>DocumentLibraryForm</Edit>
+  <New>DocumentLibraryForm</New>
+</FormTemplates>
 </file>
 
-<file path=customXml/itemProps2.xml><?xml version="1.0" encoding="utf-8"?>
-<ds:datastoreItem xmlns:ds="http://schemas.openxmlformats.org/officeDocument/2006/customXml" ds:itemID="{CABF691C-888B-4061-8A6F-D5CE84A0254B}">
-  <ds:schemaRefs>
-    <ds:schemaRef ds:uri="http://schemas.microsoft.com/sharepoint/v3/contenttype/forms"/>
-  </ds:schemaRefs>
-</ds:datastoreItem>
+<file path=customXml/item3.xml><?xml version="1.0" encoding="utf-8"?>
+<p:properties xmlns:p="http://schemas.microsoft.com/office/2006/metadata/properties" xmlns:xsi="http://www.w3.org/2001/XMLSchema-instance" xmlns:pc="http://schemas.microsoft.com/office/infopath/2007/PartnerControls">
+  <documentManagement>
+    <_ip_UnifiedCompliancePolicyUIAction xmlns="http://schemas.microsoft.com/sharepoint/v3" xsi:nil="true"/>
+    <Image xmlns="71af3243-3dd4-4a8d-8c0d-dd76da1f02a5">
+      <Url xsi:nil="true"/>
+      <Description xsi:nil="true"/>
+    </Image>
+    <Status xmlns="71af3243-3dd4-4a8d-8c0d-dd76da1f02a5">Not started</Status>
+    <Background xmlns="71af3243-3dd4-4a8d-8c0d-dd76da1f02a5">false</Background>
+    <_ip_UnifiedCompliancePolicyProperties xmlns="http://schemas.microsoft.com/sharepoint/v3" xsi:nil="true"/>
+    <ImageTagsTaxHTField xmlns="71af3243-3dd4-4a8d-8c0d-dd76da1f02a5">
+      <Terms xmlns="http://schemas.microsoft.com/office/infopath/2007/PartnerControls"/>
+    </ImageTagsTaxHTField>
+    <TaxCatchAll xmlns="230e9df3-be65-4c73-a93b-d1236ebd677e" xsi:nil="true"/>
+    <MediaServiceKeyPoints xmlns="71af3243-3dd4-4a8d-8c0d-dd76da1f02a5" xsi:nil="true"/>
+  </documentManagement>
+</p:properties>
 </file>
 
-<file path=customXml/itemProps3.xml><?xml version="1.0" encoding="utf-8"?>
+<file path=customXml/itemProps1.xml><?xml version="1.0" encoding="utf-8"?>
 <ds:datastoreItem xmlns:ds="http://schemas.openxmlformats.org/officeDocument/2006/customXml" ds:itemID="{5EDE3176-A15D-46A3-BDDB-64A0D7363224}">
   <ds:schemaRefs>
     <ds:schemaRef ds:uri="http://schemas.microsoft.com/office/2006/metadata/contentType"/>
@@ -13524,6 +13534,26 @@
 </ds:datastoreItem>
 </file>
 
+<file path=customXml/itemProps2.xml><?xml version="1.0" encoding="utf-8"?>
+<ds:datastoreItem xmlns:ds="http://schemas.openxmlformats.org/officeDocument/2006/customXml" ds:itemID="{CABF691C-888B-4061-8A6F-D5CE84A0254B}">
+  <ds:schemaRefs>
+    <ds:schemaRef ds:uri="http://schemas.microsoft.com/sharepoint/v3/contenttype/forms"/>
+  </ds:schemaRefs>
+</ds:datastoreItem>
+</file>
+
+<file path=customXml/itemProps3.xml><?xml version="1.0" encoding="utf-8"?>
+<ds:datastoreItem xmlns:ds="http://schemas.openxmlformats.org/officeDocument/2006/customXml" ds:itemID="{49168DCE-134F-4610-A6AA-88CEBE8D71D2}">
+  <ds:schemaRefs>
+    <ds:schemaRef ds:uri="http://schemas.microsoft.com/office/2006/metadata/properties"/>
+    <ds:schemaRef ds:uri="http://schemas.microsoft.com/office/infopath/2007/PartnerControls"/>
+    <ds:schemaRef ds:uri="http://schemas.microsoft.com/sharepoint/v3"/>
+    <ds:schemaRef ds:uri="71af3243-3dd4-4a8d-8c0d-dd76da1f02a5"/>
+    <ds:schemaRef ds:uri="230e9df3-be65-4c73-a93b-d1236ebd677e"/>
+  </ds:schemaRefs>
+</ds:datastoreItem>
+</file>
+
 <file path=docMetadata/LabelInfo.xml><?xml version="1.0" encoding="utf-8"?>
 <clbl:labelList xmlns:clbl="http://schemas.microsoft.com/office/2020/mipLabelMetadata"/>
 </file>
--- a/Multi-Level-Hashing.pptx
+++ b/Multi-Level-Hashing.pptx
@@ -8540,7 +8540,7 @@
       </p:sp>
       <p:pic>
         <p:nvPicPr>
-          <p:cNvPr id="4" name="Picture 3">
+          <p:cNvPr id="3" name="Picture 2">
             <a:extLst>
               <a:ext uri="{FF2B5EF4-FFF2-40B4-BE49-F238E27FC236}">
                 <a16:creationId xmlns:a16="http://schemas.microsoft.com/office/drawing/2014/main" id="{1F777BE8-0F70-4D36-4A08-7E1C4B0530A7}"/>
@@ -8560,7 +8560,7 @@
         </p:blipFill>
         <p:spPr>
           <a:xfrm>
-            <a:off x="2818424" y="4016766"/>
+            <a:off x="2690606" y="3947026"/>
             <a:ext cx="6810788" cy="2339583"/>
           </a:xfrm>
           <a:prstGeom prst="rect">
